--- a/resources/hw/genomic-data-visualization-HW_5.pptx
+++ b/resources/hw/genomic-data-visualization-HW_5.pptx
@@ -3617,7 +3617,77 @@
                   <a:srgbClr val="404040"/>
                 </a:solidFill>
               </a:rPr>
-              <a:t>A panel visualizing the differentially upregulated genes for your cluster of interest</a:t>
+              <a:t>A panel visualizing multiple differentially expressed genes for your cluster of interest</a:t>
+            </a:r>
+          </a:p>
+          <a:p>
+            <a:pPr marL="342900" indent="-342900">
+              <a:lnSpc>
+                <a:spcPct val="100000"/>
+              </a:lnSpc>
+              <a:spcBef>
+                <a:spcPts val="0"/>
+              </a:spcBef>
+              <a:buAutoNum type="arabicPeriod"/>
+            </a:pPr>
+            <a:r>
+              <a:rPr lang="en-US" sz="1800" dirty="0">
+                <a:solidFill>
+                  <a:srgbClr val="404040"/>
+                </a:solidFill>
+              </a:rPr>
+              <a:t>A panel visualizing one of these genes in reduced dimensional space (PCA, </a:t>
+            </a:r>
+            <a:r>
+              <a:rPr lang="en-US" sz="1800" dirty="0" err="1">
+                <a:solidFill>
+                  <a:srgbClr val="404040"/>
+                </a:solidFill>
+              </a:rPr>
+              <a:t>tSNE</a:t>
+            </a:r>
+            <a:r>
+              <a:rPr lang="en-US" sz="1800" dirty="0">
+                <a:solidFill>
+                  <a:srgbClr val="404040"/>
+                </a:solidFill>
+              </a:rPr>
+              <a:t>, </a:t>
+            </a:r>
+            <a:r>
+              <a:rPr lang="en-US" sz="1800" dirty="0" err="1">
+                <a:solidFill>
+                  <a:srgbClr val="404040"/>
+                </a:solidFill>
+              </a:rPr>
+              <a:t>etc</a:t>
+            </a:r>
+            <a:r>
+              <a:rPr lang="en-US" sz="1800" dirty="0">
+                <a:solidFill>
+                  <a:srgbClr val="404040"/>
+                </a:solidFill>
+              </a:rPr>
+              <a:t>)</a:t>
+            </a:r>
+          </a:p>
+          <a:p>
+            <a:pPr marL="342900" indent="-342900">
+              <a:lnSpc>
+                <a:spcPct val="100000"/>
+              </a:lnSpc>
+              <a:spcBef>
+                <a:spcPts val="0"/>
+              </a:spcBef>
+              <a:buAutoNum type="arabicPeriod"/>
+            </a:pPr>
+            <a:r>
+              <a:rPr lang="en-US" sz="1800" dirty="0">
+                <a:solidFill>
+                  <a:srgbClr val="404040"/>
+                </a:solidFill>
+              </a:rPr>
+              <a:t>A panel visualizing one of these genes in space</a:t>
             </a:r>
           </a:p>
           <a:p>
@@ -3652,42 +3722,7 @@
                   <a:srgbClr val="404040"/>
                 </a:solidFill>
               </a:rPr>
-              <a:t>Your description should reference papers and content that allowed you to interpret your cell cluster as a particular cell-type. You must provide attribution to external resources referenced. Links are fine; formatted references are not required. </a:t>
-            </a:r>
-          </a:p>
-          <a:p>
-            <a:pPr marL="0" indent="0">
-              <a:lnSpc>
-                <a:spcPct val="100000"/>
-              </a:lnSpc>
-              <a:spcBef>
-                <a:spcPts val="0"/>
-              </a:spcBef>
-              <a:buNone/>
-            </a:pPr>
-            <a:endParaRPr lang="en-US" sz="1800" dirty="0">
-              <a:solidFill>
-                <a:srgbClr val="404040"/>
-              </a:solidFill>
-            </a:endParaRPr>
-          </a:p>
-          <a:p>
-            <a:pPr marL="0" indent="0">
-              <a:lnSpc>
-                <a:spcPct val="100000"/>
-              </a:lnSpc>
-              <a:spcBef>
-                <a:spcPts val="0"/>
-              </a:spcBef>
-              <a:buNone/>
-            </a:pPr>
-            <a:r>
-              <a:rPr lang="en-US" sz="1800" dirty="0">
-                <a:solidFill>
-                  <a:srgbClr val="404040"/>
-                </a:solidFill>
-              </a:rPr>
-              <a:t>(You do not need to describe the data visualization as you have been doing)</a:t>
+              <a:t>Your description should reference papers and content that allowed you to interpret your cell cluster as a particular cell-type. You must provide attribution to external resources referenced. Links are fine; formatted references are not required. (You do not need to describe the data visualization as you have been doing)</a:t>
             </a:r>
           </a:p>
           <a:p>
